--- a/PPT/DeepLearning04-Pandas.pptx
+++ b/PPT/DeepLearning04-Pandas.pptx
@@ -5,19 +5,18 @@
     <p:sldMasterId id="2147483653" r:id="rId1"/>
   </p:sldMasterIdLst>
   <p:notesMasterIdLst>
-    <p:notesMasterId r:id="rId9"/>
+    <p:notesMasterId r:id="rId8"/>
   </p:notesMasterIdLst>
   <p:handoutMasterIdLst>
-    <p:handoutMasterId r:id="rId10"/>
+    <p:handoutMasterId r:id="rId9"/>
   </p:handoutMasterIdLst>
   <p:sldIdLst>
     <p:sldId id="264" r:id="rId2"/>
     <p:sldId id="265" r:id="rId3"/>
     <p:sldId id="274" r:id="rId4"/>
     <p:sldId id="275" r:id="rId5"/>
-    <p:sldId id="276" r:id="rId6"/>
-    <p:sldId id="278" r:id="rId7"/>
-    <p:sldId id="277" r:id="rId8"/>
+    <p:sldId id="278" r:id="rId6"/>
+    <p:sldId id="277" r:id="rId7"/>
   </p:sldIdLst>
   <p:sldSz cx="9144000" cy="6858000" type="screen4x3"/>
   <p:notesSz cx="6648450" cy="9782175"/>
@@ -4544,233 +4543,6 @@
           <a:p>
             <a:r>
               <a:rPr lang="fr-FR" dirty="0" smtClean="0"/>
-              <a:t>Filtrage</a:t>
-            </a:r>
-            <a:endParaRPr lang="fr-FR" dirty="0"/>
-          </a:p>
-        </p:txBody>
-      </p:sp>
-      <p:sp>
-        <p:nvSpPr>
-          <p:cNvPr id="3" name="Espace réservé du contenu 2"/>
-          <p:cNvSpPr>
-            <a:spLocks noGrp="1"/>
-          </p:cNvSpPr>
-          <p:nvPr>
-            <p:ph idx="1"/>
-          </p:nvPr>
-        </p:nvSpPr>
-        <p:spPr/>
-        <p:txBody>
-          <a:bodyPr/>
-          <a:lstStyle/>
-          <a:p>
-            <a:r>
-              <a:rPr lang="fr-FR" dirty="0" smtClean="0"/>
-              <a:t>Filtrage du </a:t>
-            </a:r>
-            <a:r>
-              <a:rPr lang="fr-FR" dirty="0" err="1" smtClean="0"/>
-              <a:t>DataFrame</a:t>
-            </a:r>
-            <a:endParaRPr lang="fr-FR" dirty="0" smtClean="0"/>
-          </a:p>
-          <a:p>
-            <a:pPr lvl="1"/>
-            <a:r>
-              <a:rPr lang="fr-FR" dirty="0" err="1" smtClean="0"/>
-              <a:t>Dataframe</a:t>
-            </a:r>
-            <a:r>
-              <a:rPr lang="fr-FR" dirty="0" smtClean="0"/>
-              <a:t> = </a:t>
-            </a:r>
-            <a:r>
-              <a:rPr lang="fr-FR" dirty="0" err="1" smtClean="0"/>
-              <a:t>dataframe</a:t>
-            </a:r>
-            <a:r>
-              <a:rPr lang="fr-FR" dirty="0" smtClean="0"/>
-              <a:t>[</a:t>
-            </a:r>
-            <a:r>
-              <a:rPr lang="fr-FR" dirty="0" err="1" smtClean="0"/>
-              <a:t>dataframe.surface</a:t>
-            </a:r>
-            <a:r>
-              <a:rPr lang="fr-FR" dirty="0" smtClean="0"/>
-              <a:t> &lt; 200]</a:t>
-            </a:r>
-            <a:endParaRPr lang="fr-FR" dirty="0"/>
-          </a:p>
-          <a:p>
-            <a:r>
-              <a:rPr lang="fr-FR" dirty="0" smtClean="0"/>
-              <a:t>Enlever une dimension</a:t>
-            </a:r>
-          </a:p>
-          <a:p>
-            <a:pPr lvl="1"/>
-            <a:r>
-              <a:rPr lang="fr-FR" dirty="0" err="1" smtClean="0"/>
-              <a:t>Dataframe.drop</a:t>
-            </a:r>
-            <a:r>
-              <a:rPr lang="fr-FR" dirty="0" smtClean="0"/>
-              <a:t>(‘Colonne’,1)</a:t>
-            </a:r>
-          </a:p>
-          <a:p>
-            <a:r>
-              <a:rPr lang="fr-FR" dirty="0" smtClean="0"/>
-              <a:t>Remplacer les champs nuls</a:t>
-            </a:r>
-          </a:p>
-          <a:p>
-            <a:pPr lvl="1"/>
-            <a:r>
-              <a:rPr lang="fr-FR" dirty="0" err="1" smtClean="0"/>
-              <a:t>dataframe.codePostal</a:t>
-            </a:r>
-            <a:r>
-              <a:rPr lang="fr-FR" dirty="0" smtClean="0"/>
-              <a:t> </a:t>
-            </a:r>
-            <a:r>
-              <a:rPr lang="fr-FR" dirty="0"/>
-              <a:t>= </a:t>
-            </a:r>
-            <a:r>
-              <a:rPr lang="fr-FR" dirty="0" err="1" smtClean="0"/>
-              <a:t>dataframe.codePostal.fillna</a:t>
-            </a:r>
-            <a:r>
-              <a:rPr lang="fr-FR" dirty="0"/>
-              <a:t>('38000</a:t>
-            </a:r>
-            <a:r>
-              <a:rPr lang="fr-FR" dirty="0" smtClean="0"/>
-              <a:t>')</a:t>
-            </a:r>
-          </a:p>
-          <a:p>
-            <a:r>
-              <a:rPr lang="fr-FR" dirty="0" smtClean="0"/>
-              <a:t>Changement de valeurs</a:t>
-            </a:r>
-          </a:p>
-          <a:p>
-            <a:pPr lvl="1"/>
-            <a:r>
-              <a:rPr lang="fr-FR" dirty="0" err="1" smtClean="0"/>
-              <a:t>dataframe.surface</a:t>
-            </a:r>
-            <a:r>
-              <a:rPr lang="fr-FR" dirty="0" smtClean="0"/>
-              <a:t> </a:t>
-            </a:r>
-            <a:r>
-              <a:rPr lang="fr-FR" dirty="0"/>
-              <a:t>= </a:t>
-            </a:r>
-            <a:r>
-              <a:rPr lang="fr-FR" dirty="0" err="1" smtClean="0"/>
-              <a:t>dataframe</a:t>
-            </a:r>
-            <a:r>
-              <a:rPr lang="fr-FR" dirty="0" smtClean="0"/>
-              <a:t>[‘surface'].</a:t>
-            </a:r>
-            <a:r>
-              <a:rPr lang="fr-FR" dirty="0"/>
-              <a:t>replace(',', '.',</a:t>
-            </a:r>
-            <a:r>
-              <a:rPr lang="fr-FR" dirty="0" err="1"/>
-              <a:t>regex</a:t>
-            </a:r>
-            <a:r>
-              <a:rPr lang="fr-FR" dirty="0"/>
-              <a:t>=</a:t>
-            </a:r>
-            <a:r>
-              <a:rPr lang="fr-FR" dirty="0" err="1"/>
-              <a:t>True</a:t>
-            </a:r>
-            <a:r>
-              <a:rPr lang="fr-FR" dirty="0"/>
-              <a:t>).</a:t>
-            </a:r>
-            <a:r>
-              <a:rPr lang="fr-FR" dirty="0" err="1"/>
-              <a:t>astype</a:t>
-            </a:r>
-            <a:r>
-              <a:rPr lang="fr-FR" dirty="0"/>
-              <a:t>(</a:t>
-            </a:r>
-            <a:r>
-              <a:rPr lang="fr-FR" dirty="0" err="1"/>
-              <a:t>float</a:t>
-            </a:r>
-            <a:r>
-              <a:rPr lang="fr-FR" dirty="0" smtClean="0"/>
-              <a:t>)</a:t>
-            </a:r>
-            <a:endParaRPr lang="fr-FR" dirty="0"/>
-          </a:p>
-          <a:p>
-            <a:endParaRPr lang="fr-FR" dirty="0" smtClean="0"/>
-          </a:p>
-        </p:txBody>
-      </p:sp>
-    </p:spTree>
-    <p:extLst>
-      <p:ext uri="{BB962C8B-B14F-4D97-AF65-F5344CB8AC3E}">
-        <p14:creationId xmlns:p14="http://schemas.microsoft.com/office/powerpoint/2010/main" val="3332384904"/>
-      </p:ext>
-    </p:extLst>
-  </p:cSld>
-  <p:clrMapOvr>
-    <a:masterClrMapping/>
-  </p:clrMapOvr>
-</p:sld>
-</file>
-
-<file path=ppt/slides/slide6.xml><?xml version="1.0" encoding="utf-8"?>
-<p:sld xmlns:a="http://schemas.openxmlformats.org/drawingml/2006/main" xmlns:r="http://schemas.openxmlformats.org/officeDocument/2006/relationships" xmlns:p="http://schemas.openxmlformats.org/presentationml/2006/main">
-  <p:cSld>
-    <p:spTree>
-      <p:nvGrpSpPr>
-        <p:cNvPr id="1" name=""/>
-        <p:cNvGrpSpPr/>
-        <p:nvPr/>
-      </p:nvGrpSpPr>
-      <p:grpSpPr>
-        <a:xfrm>
-          <a:off x="0" y="0"/>
-          <a:ext cx="0" cy="0"/>
-          <a:chOff x="0" y="0"/>
-          <a:chExt cx="0" cy="0"/>
-        </a:xfrm>
-      </p:grpSpPr>
-      <p:sp>
-        <p:nvSpPr>
-          <p:cNvPr id="2" name="Titre 1"/>
-          <p:cNvSpPr>
-            <a:spLocks noGrp="1"/>
-          </p:cNvSpPr>
-          <p:nvPr>
-            <p:ph type="title"/>
-          </p:nvPr>
-        </p:nvSpPr>
-        <p:spPr/>
-        <p:txBody>
-          <a:bodyPr/>
-          <a:lstStyle/>
-          <a:p>
-            <a:r>
-              <a:rPr lang="fr-FR" dirty="0" smtClean="0"/>
               <a:t>MNIST</a:t>
             </a:r>
             <a:endParaRPr lang="fr-FR" dirty="0"/>
@@ -4864,7 +4636,7 @@
 </p:sld>
 </file>
 
-<file path=ppt/slides/slide7.xml><?xml version="1.0" encoding="utf-8"?>
+<file path=ppt/slides/slide6.xml><?xml version="1.0" encoding="utf-8"?>
 <p:sld xmlns:a="http://schemas.openxmlformats.org/drawingml/2006/main" xmlns:r="http://schemas.openxmlformats.org/officeDocument/2006/relationships" xmlns:p="http://schemas.openxmlformats.org/presentationml/2006/main">
   <p:cSld>
     <p:spTree>

--- a/PPT/DeepLearning04-Pandas.pptx
+++ b/PPT/DeepLearning04-Pandas.pptx
@@ -5,18 +5,19 @@
     <p:sldMasterId id="2147483653" r:id="rId1"/>
   </p:sldMasterIdLst>
   <p:notesMasterIdLst>
-    <p:notesMasterId r:id="rId8"/>
+    <p:notesMasterId r:id="rId9"/>
   </p:notesMasterIdLst>
   <p:handoutMasterIdLst>
-    <p:handoutMasterId r:id="rId9"/>
+    <p:handoutMasterId r:id="rId10"/>
   </p:handoutMasterIdLst>
   <p:sldIdLst>
     <p:sldId id="264" r:id="rId2"/>
     <p:sldId id="265" r:id="rId3"/>
     <p:sldId id="274" r:id="rId4"/>
     <p:sldId id="275" r:id="rId5"/>
-    <p:sldId id="278" r:id="rId6"/>
-    <p:sldId id="277" r:id="rId7"/>
+    <p:sldId id="279" r:id="rId6"/>
+    <p:sldId id="278" r:id="rId7"/>
+    <p:sldId id="277" r:id="rId8"/>
   </p:sldIdLst>
   <p:sldSz cx="9144000" cy="6858000" type="screen4x3"/>
   <p:notesSz cx="6648450" cy="9782175"/>
@@ -609,35 +610,35 @@
           <a:p>
             <a:pPr lvl="0"/>
             <a:r>
-              <a:rPr lang="fr-FR" noProof="0" smtClean="0"/>
+              <a:rPr lang="fr-FR" noProof="0"/>
               <a:t>Cliquez pour modifier les styles du texte du masque</a:t>
             </a:r>
           </a:p>
           <a:p>
             <a:pPr lvl="1"/>
             <a:r>
-              <a:rPr lang="fr-FR" noProof="0" smtClean="0"/>
+              <a:rPr lang="fr-FR" noProof="0"/>
               <a:t>Deuxième niveau</a:t>
             </a:r>
           </a:p>
           <a:p>
             <a:pPr lvl="2"/>
             <a:r>
-              <a:rPr lang="fr-FR" noProof="0" smtClean="0"/>
+              <a:rPr lang="fr-FR" noProof="0"/>
               <a:t>Troisième niveau</a:t>
             </a:r>
           </a:p>
           <a:p>
             <a:pPr lvl="3"/>
             <a:r>
-              <a:rPr lang="fr-FR" noProof="0" smtClean="0"/>
+              <a:rPr lang="fr-FR" noProof="0"/>
               <a:t>Quatrième niveau</a:t>
             </a:r>
           </a:p>
           <a:p>
             <a:pPr lvl="4"/>
             <a:r>
-              <a:rPr lang="fr-FR" noProof="0" smtClean="0"/>
+              <a:rPr lang="fr-FR" noProof="0"/>
               <a:t>Cinquième niveau</a:t>
             </a:r>
           </a:p>
@@ -925,10 +926,9 @@
           <a:lstStyle/>
           <a:p>
             <a:r>
-              <a:rPr lang="fr-FR" smtClean="0"/>
+              <a:rPr lang="fr-FR"/>
               <a:t>Cliquez pour modifier le style du titre</a:t>
             </a:r>
-            <a:endParaRPr lang="fr-FR"/>
           </a:p>
         </p:txBody>
       </p:sp>
@@ -990,10 +990,9 @@
           </a:lstStyle>
           <a:p>
             <a:r>
-              <a:rPr lang="fr-FR" smtClean="0"/>
+              <a:rPr lang="fr-FR"/>
               <a:t>Cliquez pour modifier le style des sous-titres du masque</a:t>
             </a:r>
-            <a:endParaRPr lang="fr-FR"/>
           </a:p>
         </p:txBody>
       </p:sp>
@@ -1048,10 +1047,9 @@
           <a:lstStyle/>
           <a:p>
             <a:r>
-              <a:rPr lang="fr-FR" smtClean="0"/>
+              <a:rPr lang="fr-FR"/>
               <a:t>Cliquez pour modifier le style du titre</a:t>
             </a:r>
-            <a:endParaRPr lang="fr-FR"/>
           </a:p>
         </p:txBody>
       </p:sp>
@@ -1077,38 +1075,37 @@
           <a:p>
             <a:pPr lvl="0"/>
             <a:r>
-              <a:rPr lang="fr-FR" smtClean="0"/>
+              <a:rPr lang="fr-FR"/>
               <a:t>Cliquez pour modifier les styles du texte du masque</a:t>
             </a:r>
           </a:p>
           <a:p>
             <a:pPr lvl="1"/>
             <a:r>
-              <a:rPr lang="fr-FR" smtClean="0"/>
+              <a:rPr lang="fr-FR"/>
               <a:t>Deuxième niveau</a:t>
             </a:r>
           </a:p>
           <a:p>
             <a:pPr lvl="2"/>
             <a:r>
-              <a:rPr lang="fr-FR" smtClean="0"/>
+              <a:rPr lang="fr-FR"/>
               <a:t>Troisième niveau</a:t>
             </a:r>
           </a:p>
           <a:p>
             <a:pPr lvl="3"/>
             <a:r>
-              <a:rPr lang="fr-FR" smtClean="0"/>
+              <a:rPr lang="fr-FR"/>
               <a:t>Quatrième niveau</a:t>
             </a:r>
           </a:p>
           <a:p>
             <a:pPr lvl="4"/>
             <a:r>
-              <a:rPr lang="fr-FR" smtClean="0"/>
+              <a:rPr lang="fr-FR"/>
               <a:t>Cinquième niveau</a:t>
             </a:r>
-            <a:endParaRPr lang="fr-FR"/>
           </a:p>
         </p:txBody>
       </p:sp>
@@ -1167,10 +1164,9 @@
           </a:lstStyle>
           <a:p>
             <a:r>
-              <a:rPr lang="fr-FR" dirty="0" smtClean="0"/>
+              <a:rPr lang="fr-FR" dirty="0"/>
               <a:t>Cliquez pour modifier le style du titre</a:t>
             </a:r>
-            <a:endParaRPr lang="fr-FR" dirty="0"/>
           </a:p>
         </p:txBody>
       </p:sp>
@@ -1196,38 +1192,37 @@
           <a:p>
             <a:pPr lvl="0"/>
             <a:r>
-              <a:rPr lang="fr-FR" dirty="0" smtClean="0"/>
+              <a:rPr lang="fr-FR" dirty="0"/>
               <a:t>Cliquez pour modifier les styles du texte du masque</a:t>
             </a:r>
           </a:p>
           <a:p>
             <a:pPr lvl="1"/>
             <a:r>
-              <a:rPr lang="fr-FR" dirty="0" smtClean="0"/>
+              <a:rPr lang="fr-FR" dirty="0"/>
               <a:t>Deuxième niveau</a:t>
             </a:r>
           </a:p>
           <a:p>
             <a:pPr lvl="2"/>
             <a:r>
-              <a:rPr lang="fr-FR" dirty="0" smtClean="0"/>
+              <a:rPr lang="fr-FR" dirty="0"/>
               <a:t>Troisième niveau</a:t>
             </a:r>
           </a:p>
           <a:p>
             <a:pPr lvl="3"/>
             <a:r>
-              <a:rPr lang="fr-FR" dirty="0" smtClean="0"/>
+              <a:rPr lang="fr-FR" dirty="0"/>
               <a:t>Quatrième niveau</a:t>
             </a:r>
           </a:p>
           <a:p>
             <a:pPr lvl="4"/>
             <a:r>
-              <a:rPr lang="fr-FR" dirty="0" smtClean="0"/>
+              <a:rPr lang="fr-FR" dirty="0"/>
               <a:t>Cinquième niveau</a:t>
             </a:r>
-            <a:endParaRPr lang="fr-FR" dirty="0"/>
           </a:p>
         </p:txBody>
       </p:sp>
@@ -1277,10 +1272,9 @@
           <a:lstStyle/>
           <a:p>
             <a:r>
-              <a:rPr lang="fr-FR" smtClean="0"/>
+              <a:rPr lang="fr-FR"/>
               <a:t>Cliquez pour modifier le style du titre</a:t>
             </a:r>
-            <a:endParaRPr lang="fr-FR"/>
           </a:p>
         </p:txBody>
       </p:sp>
@@ -1334,38 +1328,37 @@
           <a:p>
             <a:pPr lvl="0"/>
             <a:r>
-              <a:rPr lang="fr-FR" smtClean="0"/>
+              <a:rPr lang="fr-FR"/>
               <a:t>Cliquez pour modifier les styles du texte du masque</a:t>
             </a:r>
           </a:p>
           <a:p>
             <a:pPr lvl="1"/>
             <a:r>
-              <a:rPr lang="fr-FR" smtClean="0"/>
+              <a:rPr lang="fr-FR"/>
               <a:t>Deuxième niveau</a:t>
             </a:r>
           </a:p>
           <a:p>
             <a:pPr lvl="2"/>
             <a:r>
-              <a:rPr lang="fr-FR" smtClean="0"/>
+              <a:rPr lang="fr-FR"/>
               <a:t>Troisième niveau</a:t>
             </a:r>
           </a:p>
           <a:p>
             <a:pPr lvl="3"/>
             <a:r>
-              <a:rPr lang="fr-FR" smtClean="0"/>
+              <a:rPr lang="fr-FR"/>
               <a:t>Quatrième niveau</a:t>
             </a:r>
           </a:p>
           <a:p>
             <a:pPr lvl="4"/>
             <a:r>
-              <a:rPr lang="fr-FR" smtClean="0"/>
+              <a:rPr lang="fr-FR"/>
               <a:t>Cinquième niveau</a:t>
             </a:r>
-            <a:endParaRPr lang="fr-FR"/>
           </a:p>
         </p:txBody>
       </p:sp>
@@ -1419,38 +1412,37 @@
           <a:p>
             <a:pPr lvl="0"/>
             <a:r>
-              <a:rPr lang="fr-FR" smtClean="0"/>
+              <a:rPr lang="fr-FR"/>
               <a:t>Cliquez pour modifier les styles du texte du masque</a:t>
             </a:r>
           </a:p>
           <a:p>
             <a:pPr lvl="1"/>
             <a:r>
-              <a:rPr lang="fr-FR" smtClean="0"/>
+              <a:rPr lang="fr-FR"/>
               <a:t>Deuxième niveau</a:t>
             </a:r>
           </a:p>
           <a:p>
             <a:pPr lvl="2"/>
             <a:r>
-              <a:rPr lang="fr-FR" smtClean="0"/>
+              <a:rPr lang="fr-FR"/>
               <a:t>Troisième niveau</a:t>
             </a:r>
           </a:p>
           <a:p>
             <a:pPr lvl="3"/>
             <a:r>
-              <a:rPr lang="fr-FR" smtClean="0"/>
+              <a:rPr lang="fr-FR"/>
               <a:t>Quatrième niveau</a:t>
             </a:r>
           </a:p>
           <a:p>
             <a:pPr lvl="4"/>
             <a:r>
-              <a:rPr lang="fr-FR" smtClean="0"/>
+              <a:rPr lang="fr-FR"/>
               <a:t>Cinquième niveau</a:t>
             </a:r>
-            <a:endParaRPr lang="fr-FR"/>
           </a:p>
         </p:txBody>
       </p:sp>
@@ -1509,10 +1501,9 @@
           </a:lstStyle>
           <a:p>
             <a:r>
-              <a:rPr lang="fr-FR" smtClean="0"/>
+              <a:rPr lang="fr-FR"/>
               <a:t>Cliquez pour modifier le style du titre</a:t>
             </a:r>
-            <a:endParaRPr lang="fr-FR"/>
           </a:p>
         </p:txBody>
       </p:sp>
@@ -1575,7 +1566,7 @@
           <a:p>
             <a:pPr lvl="0"/>
             <a:r>
-              <a:rPr lang="fr-FR" smtClean="0"/>
+              <a:rPr lang="fr-FR"/>
               <a:t>Cliquez pour modifier les styles du texte du masque</a:t>
             </a:r>
           </a:p>
@@ -1631,38 +1622,37 @@
           <a:p>
             <a:pPr lvl="0"/>
             <a:r>
-              <a:rPr lang="fr-FR" smtClean="0"/>
+              <a:rPr lang="fr-FR"/>
               <a:t>Cliquez pour modifier les styles du texte du masque</a:t>
             </a:r>
           </a:p>
           <a:p>
             <a:pPr lvl="1"/>
             <a:r>
-              <a:rPr lang="fr-FR" smtClean="0"/>
+              <a:rPr lang="fr-FR"/>
               <a:t>Deuxième niveau</a:t>
             </a:r>
           </a:p>
           <a:p>
             <a:pPr lvl="2"/>
             <a:r>
-              <a:rPr lang="fr-FR" smtClean="0"/>
+              <a:rPr lang="fr-FR"/>
               <a:t>Troisième niveau</a:t>
             </a:r>
           </a:p>
           <a:p>
             <a:pPr lvl="3"/>
             <a:r>
-              <a:rPr lang="fr-FR" smtClean="0"/>
+              <a:rPr lang="fr-FR"/>
               <a:t>Quatrième niveau</a:t>
             </a:r>
           </a:p>
           <a:p>
             <a:pPr lvl="4"/>
             <a:r>
-              <a:rPr lang="fr-FR" smtClean="0"/>
+              <a:rPr lang="fr-FR"/>
               <a:t>Cinquième niveau</a:t>
             </a:r>
-            <a:endParaRPr lang="fr-FR"/>
           </a:p>
         </p:txBody>
       </p:sp>
@@ -1725,7 +1715,7 @@
           <a:p>
             <a:pPr lvl="0"/>
             <a:r>
-              <a:rPr lang="fr-FR" smtClean="0"/>
+              <a:rPr lang="fr-FR"/>
               <a:t>Cliquez pour modifier les styles du texte du masque</a:t>
             </a:r>
           </a:p>
@@ -1781,38 +1771,37 @@
           <a:p>
             <a:pPr lvl="0"/>
             <a:r>
-              <a:rPr lang="fr-FR" smtClean="0"/>
+              <a:rPr lang="fr-FR"/>
               <a:t>Cliquez pour modifier les styles du texte du masque</a:t>
             </a:r>
           </a:p>
           <a:p>
             <a:pPr lvl="1"/>
             <a:r>
-              <a:rPr lang="fr-FR" smtClean="0"/>
+              <a:rPr lang="fr-FR"/>
               <a:t>Deuxième niveau</a:t>
             </a:r>
           </a:p>
           <a:p>
             <a:pPr lvl="2"/>
             <a:r>
-              <a:rPr lang="fr-FR" smtClean="0"/>
+              <a:rPr lang="fr-FR"/>
               <a:t>Troisième niveau</a:t>
             </a:r>
           </a:p>
           <a:p>
             <a:pPr lvl="3"/>
             <a:r>
-              <a:rPr lang="fr-FR" smtClean="0"/>
+              <a:rPr lang="fr-FR"/>
               <a:t>Quatrième niveau</a:t>
             </a:r>
           </a:p>
           <a:p>
             <a:pPr lvl="4"/>
             <a:r>
-              <a:rPr lang="fr-FR" smtClean="0"/>
+              <a:rPr lang="fr-FR"/>
               <a:t>Cinquième niveau</a:t>
             </a:r>
-            <a:endParaRPr lang="fr-FR"/>
           </a:p>
         </p:txBody>
       </p:sp>
@@ -1862,10 +1851,9 @@
           <a:lstStyle/>
           <a:p>
             <a:r>
-              <a:rPr lang="fr-FR" smtClean="0"/>
+              <a:rPr lang="fr-FR"/>
               <a:t>Cliquez pour modifier le style du titre</a:t>
             </a:r>
-            <a:endParaRPr lang="fr-FR"/>
           </a:p>
         </p:txBody>
       </p:sp>
@@ -1954,10 +1942,9 @@
           </a:lstStyle>
           <a:p>
             <a:r>
-              <a:rPr lang="fr-FR" smtClean="0"/>
+              <a:rPr lang="fr-FR"/>
               <a:t>Cliquez pour modifier le style du titre</a:t>
             </a:r>
-            <a:endParaRPr lang="fr-FR"/>
           </a:p>
         </p:txBody>
       </p:sp>
@@ -2011,38 +1998,37 @@
           <a:p>
             <a:pPr lvl="0"/>
             <a:r>
-              <a:rPr lang="fr-FR" smtClean="0"/>
+              <a:rPr lang="fr-FR"/>
               <a:t>Cliquez pour modifier les styles du texte du masque</a:t>
             </a:r>
           </a:p>
           <a:p>
             <a:pPr lvl="1"/>
             <a:r>
-              <a:rPr lang="fr-FR" smtClean="0"/>
+              <a:rPr lang="fr-FR"/>
               <a:t>Deuxième niveau</a:t>
             </a:r>
           </a:p>
           <a:p>
             <a:pPr lvl="2"/>
             <a:r>
-              <a:rPr lang="fr-FR" smtClean="0"/>
+              <a:rPr lang="fr-FR"/>
               <a:t>Troisième niveau</a:t>
             </a:r>
           </a:p>
           <a:p>
             <a:pPr lvl="3"/>
             <a:r>
-              <a:rPr lang="fr-FR" smtClean="0"/>
+              <a:rPr lang="fr-FR"/>
               <a:t>Quatrième niveau</a:t>
             </a:r>
           </a:p>
           <a:p>
             <a:pPr lvl="4"/>
             <a:r>
-              <a:rPr lang="fr-FR" smtClean="0"/>
+              <a:rPr lang="fr-FR"/>
               <a:t>Cinquième niveau</a:t>
             </a:r>
-            <a:endParaRPr lang="fr-FR"/>
           </a:p>
         </p:txBody>
       </p:sp>
@@ -2105,7 +2091,7 @@
           <a:p>
             <a:pPr lvl="0"/>
             <a:r>
-              <a:rPr lang="fr-FR" smtClean="0"/>
+              <a:rPr lang="fr-FR"/>
               <a:t>Cliquez pour modifier les styles du texte du masque</a:t>
             </a:r>
           </a:p>
@@ -2166,10 +2152,9 @@
           </a:lstStyle>
           <a:p>
             <a:r>
-              <a:rPr lang="fr-FR" smtClean="0"/>
+              <a:rPr lang="fr-FR"/>
               <a:t>Cliquez pour modifier le style du titre</a:t>
             </a:r>
-            <a:endParaRPr lang="fr-FR"/>
           </a:p>
         </p:txBody>
       </p:sp>
@@ -2231,7 +2216,7 @@
           </a:lstStyle>
           <a:p>
             <a:pPr lvl="0"/>
-            <a:endParaRPr lang="fr-FR" noProof="0" smtClean="0"/>
+            <a:endParaRPr lang="fr-FR" noProof="0"/>
           </a:p>
         </p:txBody>
       </p:sp>
@@ -2294,7 +2279,7 @@
           <a:p>
             <a:pPr lvl="0"/>
             <a:r>
-              <a:rPr lang="fr-FR" smtClean="0"/>
+              <a:rPr lang="fr-FR"/>
               <a:t>Cliquez pour modifier les styles du texte du masque</a:t>
             </a:r>
           </a:p>
@@ -2346,10 +2331,9 @@
           <a:lstStyle/>
           <a:p>
             <a:r>
-              <a:rPr lang="fr-FR" smtClean="0"/>
+              <a:rPr lang="fr-FR"/>
               <a:t>Cliquez pour modifier le style du titre</a:t>
             </a:r>
-            <a:endParaRPr lang="fr-FR"/>
           </a:p>
         </p:txBody>
       </p:sp>
@@ -2370,38 +2354,37 @@
           <a:p>
             <a:pPr lvl="0"/>
             <a:r>
-              <a:rPr lang="fr-FR" smtClean="0"/>
+              <a:rPr lang="fr-FR"/>
               <a:t>Cliquez pour modifier les styles du texte du masque</a:t>
             </a:r>
           </a:p>
           <a:p>
             <a:pPr lvl="1"/>
             <a:r>
-              <a:rPr lang="fr-FR" smtClean="0"/>
+              <a:rPr lang="fr-FR"/>
               <a:t>Deuxième niveau</a:t>
             </a:r>
           </a:p>
           <a:p>
             <a:pPr lvl="2"/>
             <a:r>
-              <a:rPr lang="fr-FR" smtClean="0"/>
+              <a:rPr lang="fr-FR"/>
               <a:t>Troisième niveau</a:t>
             </a:r>
           </a:p>
           <a:p>
             <a:pPr lvl="3"/>
             <a:r>
-              <a:rPr lang="fr-FR" smtClean="0"/>
+              <a:rPr lang="fr-FR"/>
               <a:t>Quatrième niveau</a:t>
             </a:r>
           </a:p>
           <a:p>
             <a:pPr lvl="4"/>
             <a:r>
-              <a:rPr lang="fr-FR" smtClean="0"/>
+              <a:rPr lang="fr-FR"/>
               <a:t>Cinquième niveau</a:t>
             </a:r>
-            <a:endParaRPr lang="fr-FR"/>
           </a:p>
         </p:txBody>
       </p:sp>
@@ -2582,7 +2565,7 @@
             <a:pPr eaLnBrk="1" hangingPunct="1">
               <a:defRPr/>
             </a:pPr>
-            <a:endParaRPr lang="fr-FR" altLang="fr-FR" smtClean="0"/>
+            <a:endParaRPr lang="fr-FR" altLang="fr-FR"/>
           </a:p>
         </p:txBody>
       </p:sp>
@@ -2736,7 +2719,7 @@
               <a:defRPr/>
             </a:pPr>
             <a:r>
-              <a:rPr lang="fr-FR" sz="1200" dirty="0" smtClean="0"/>
+              <a:rPr lang="fr-FR" sz="1200" dirty="0"/>
               <a:t>Page </a:t>
             </a:r>
             <a:fld id="{E218E9B1-FD08-4C80-902E-210BA2967D0D}" type="slidenum">
@@ -2749,7 +2732,7 @@
               </a:pPr>
               <a:t>‹N°›</a:t>
             </a:fld>
-            <a:endParaRPr lang="fr-FR" dirty="0" smtClean="0">
+            <a:endParaRPr lang="fr-FR" dirty="0">
               <a:latin typeface="Times New Roman" pitchFamily="18" charset="0"/>
             </a:endParaRPr>
           </a:p>
@@ -2905,10 +2888,10 @@
               <a:defRPr/>
             </a:pPr>
             <a:r>
-              <a:rPr lang="fr-FR" sz="1600" dirty="0" smtClean="0"/>
+              <a:rPr lang="fr-FR" sz="1600" dirty="0"/>
               <a:t>Python</a:t>
             </a:r>
-            <a:endParaRPr lang="fr-FR" dirty="0" smtClean="0">
+            <a:endParaRPr lang="fr-FR" dirty="0">
               <a:latin typeface="Times New Roman" pitchFamily="18" charset="0"/>
             </a:endParaRPr>
           </a:p>
@@ -2966,7 +2949,7 @@
           <a:p>
             <a:pPr lvl="0"/>
             <a:r>
-              <a:rPr lang="fr-FR" altLang="fr-FR" smtClean="0"/>
+              <a:rPr lang="fr-FR" altLang="fr-FR"/>
               <a:t>Cliquez pour modifier le style du titre du masque</a:t>
             </a:r>
           </a:p>
@@ -3024,35 +3007,35 @@
           <a:p>
             <a:pPr lvl="0"/>
             <a:r>
-              <a:rPr lang="fr-FR" altLang="fr-FR" smtClean="0"/>
+              <a:rPr lang="fr-FR" altLang="fr-FR"/>
               <a:t>Cliquez pour modifier les styles du texte du masque</a:t>
             </a:r>
           </a:p>
           <a:p>
             <a:pPr lvl="1"/>
             <a:r>
-              <a:rPr lang="fr-FR" altLang="fr-FR" smtClean="0"/>
+              <a:rPr lang="fr-FR" altLang="fr-FR"/>
               <a:t>Deuxième niveau</a:t>
             </a:r>
           </a:p>
           <a:p>
             <a:pPr lvl="2"/>
             <a:r>
-              <a:rPr lang="fr-FR" altLang="fr-FR" smtClean="0"/>
+              <a:rPr lang="fr-FR" altLang="fr-FR"/>
               <a:t>Troisième niveau</a:t>
             </a:r>
           </a:p>
           <a:p>
             <a:pPr lvl="3"/>
             <a:r>
-              <a:rPr lang="fr-FR" altLang="fr-FR" smtClean="0"/>
+              <a:rPr lang="fr-FR" altLang="fr-FR"/>
               <a:t>Quatrième niveau</a:t>
             </a:r>
           </a:p>
           <a:p>
             <a:pPr lvl="4"/>
             <a:r>
-              <a:rPr lang="fr-FR" altLang="fr-FR" smtClean="0"/>
+              <a:rPr lang="fr-FR" altLang="fr-FR"/>
               <a:t>Cinquième niveau</a:t>
             </a:r>
           </a:p>
@@ -3208,10 +3191,10 @@
               <a:defRPr/>
             </a:pPr>
             <a:r>
-              <a:rPr lang="fr-FR" sz="1200" smtClean="0"/>
+              <a:rPr lang="fr-FR" sz="1200"/>
               <a:t>© Cyril Vincent Conseil</a:t>
             </a:r>
-            <a:endParaRPr lang="fr-FR" smtClean="0">
+            <a:endParaRPr lang="fr-FR">
               <a:latin typeface="Times New Roman" pitchFamily="18" charset="0"/>
             </a:endParaRPr>
           </a:p>
@@ -3693,14 +3676,14 @@
           <a:p>
             <a:pPr eaLnBrk="1" hangingPunct="1"/>
             <a:r>
-              <a:rPr lang="fr-FR" altLang="fr-FR" dirty="0" smtClean="0"/>
+              <a:rPr lang="fr-FR" altLang="fr-FR" dirty="0"/>
               <a:t>Chapitre 4</a:t>
             </a:r>
           </a:p>
           <a:p>
             <a:pPr eaLnBrk="1" hangingPunct="1"/>
             <a:r>
-              <a:rPr lang="fr-FR" altLang="fr-FR" dirty="0" smtClean="0"/>
+              <a:rPr lang="fr-FR" altLang="fr-FR" dirty="0"/>
               <a:t>Pandas</a:t>
             </a:r>
           </a:p>
@@ -3753,10 +3736,9 @@
           <a:lstStyle/>
           <a:p>
             <a:r>
-              <a:rPr lang="fr-FR" sz="3600" dirty="0" smtClean="0"/>
+              <a:rPr lang="fr-FR" sz="3600" dirty="0"/>
               <a:t>Data Science</a:t>
             </a:r>
-            <a:endParaRPr lang="fr-FR" sz="3600" dirty="0"/>
           </a:p>
         </p:txBody>
       </p:sp>
@@ -3789,13 +3771,6 @@
   <p:clrMapOvr>
     <a:masterClrMapping/>
   </p:clrMapOvr>
-  <p:timing>
-    <p:tnLst>
-      <p:par>
-        <p:cTn id="1" dur="indefinite" restart="never" nodeType="tmRoot"/>
-      </p:par>
-    </p:tnLst>
-  </p:timing>
 </p:sld>
 </file>
 
@@ -3832,10 +3807,9 @@
           <a:lstStyle/>
           <a:p>
             <a:r>
-              <a:rPr lang="fr-FR" dirty="0" smtClean="0"/>
+              <a:rPr lang="fr-FR" dirty="0"/>
               <a:t>Pandas</a:t>
             </a:r>
-            <a:endParaRPr lang="fr-FR" dirty="0"/>
           </a:p>
         </p:txBody>
       </p:sp>
@@ -3869,47 +3843,47 @@
           </a:p>
           <a:p>
             <a:r>
-              <a:rPr lang="fr-FR" dirty="0" smtClean="0"/>
+              <a:rPr lang="fr-FR" dirty="0"/>
               <a:t>Module Python</a:t>
             </a:r>
           </a:p>
           <a:p>
             <a:pPr lvl="1"/>
             <a:r>
-              <a:rPr lang="fr-FR" dirty="0" smtClean="0"/>
+              <a:rPr lang="fr-FR" dirty="0"/>
               <a:t>Disponible dans Anaconda</a:t>
             </a:r>
           </a:p>
           <a:p>
             <a:pPr lvl="1"/>
             <a:r>
-              <a:rPr lang="fr-FR" dirty="0" err="1" smtClean="0"/>
+              <a:rPr lang="fr-FR" dirty="0" err="1"/>
               <a:t>Pip</a:t>
             </a:r>
             <a:r>
-              <a:rPr lang="fr-FR" dirty="0" smtClean="0"/>
+              <a:rPr lang="fr-FR" dirty="0"/>
               <a:t> </a:t>
             </a:r>
             <a:r>
-              <a:rPr lang="fr-FR" dirty="0" err="1" smtClean="0"/>
+              <a:rPr lang="fr-FR" dirty="0" err="1"/>
               <a:t>install</a:t>
             </a:r>
             <a:r>
-              <a:rPr lang="fr-FR" dirty="0" smtClean="0"/>
+              <a:rPr lang="fr-FR" dirty="0"/>
               <a:t> pandas</a:t>
             </a:r>
           </a:p>
           <a:p>
             <a:pPr lvl="1"/>
             <a:r>
-              <a:rPr lang="fr-FR" dirty="0" smtClean="0"/>
+              <a:rPr lang="fr-FR" dirty="0"/>
               <a:t>import pandas as </a:t>
             </a:r>
             <a:r>
-              <a:rPr lang="fr-FR" dirty="0" err="1" smtClean="0"/>
+              <a:rPr lang="fr-FR" dirty="0" err="1"/>
               <a:t>pd</a:t>
             </a:r>
-            <a:endParaRPr lang="fr-FR" dirty="0" smtClean="0"/>
+            <a:endParaRPr lang="fr-FR" dirty="0"/>
           </a:p>
         </p:txBody>
       </p:sp>
@@ -3959,10 +3933,9 @@
           <a:lstStyle/>
           <a:p>
             <a:r>
-              <a:rPr lang="fr-FR" dirty="0" smtClean="0"/>
+              <a:rPr lang="fr-FR" dirty="0"/>
               <a:t>Import de données</a:t>
             </a:r>
-            <a:endParaRPr lang="fr-FR" dirty="0"/>
           </a:p>
         </p:txBody>
       </p:sp>
@@ -3982,25 +3955,25 @@
           <a:lstStyle/>
           <a:p>
             <a:r>
-              <a:rPr lang="fr-FR" dirty="0" smtClean="0"/>
+              <a:rPr lang="fr-FR" dirty="0"/>
               <a:t>Pandas possède une librairie très puissante pour importer des données depuis n’importe quelle source</a:t>
             </a:r>
           </a:p>
           <a:p>
             <a:pPr lvl="1"/>
             <a:r>
-              <a:rPr lang="fr-FR" dirty="0" smtClean="0"/>
+              <a:rPr lang="fr-FR" dirty="0"/>
               <a:t>Puis les converti en </a:t>
             </a:r>
             <a:r>
-              <a:rPr lang="fr-FR" dirty="0" err="1" smtClean="0"/>
+              <a:rPr lang="fr-FR" dirty="0" err="1"/>
               <a:t>DataFrame</a:t>
             </a:r>
-            <a:endParaRPr lang="fr-FR" dirty="0" smtClean="0"/>
-          </a:p>
-          <a:p>
-            <a:r>
-              <a:rPr lang="fr-FR" dirty="0" smtClean="0"/>
+            <a:endParaRPr lang="fr-FR" dirty="0"/>
+          </a:p>
+          <a:p>
+            <a:r>
+              <a:rPr lang="fr-FR" dirty="0"/>
               <a:t>CSV</a:t>
             </a:r>
           </a:p>
@@ -4042,21 +4015,21 @@
               <a:buNone/>
             </a:pPr>
             <a:r>
-              <a:rPr lang="fr-FR" sz="2000" dirty="0" err="1" smtClean="0">
+              <a:rPr lang="fr-FR" sz="2000" dirty="0" err="1">
                 <a:latin typeface="Courier New" panose="02070309020205020404" pitchFamily="49" charset="0"/>
                 <a:cs typeface="Courier New" panose="02070309020205020404" pitchFamily="49" charset="0"/>
               </a:rPr>
               <a:t>plt.plot</a:t>
             </a:r>
             <a:r>
-              <a:rPr lang="fr-FR" sz="2000" dirty="0" smtClean="0">
+              <a:rPr lang="fr-FR" sz="2000" dirty="0">
                 <a:latin typeface="Courier New" panose="02070309020205020404" pitchFamily="49" charset="0"/>
                 <a:cs typeface="Courier New" panose="02070309020205020404" pitchFamily="49" charset="0"/>
               </a:rPr>
               <a:t>(</a:t>
             </a:r>
             <a:r>
-              <a:rPr lang="fr-FR" sz="2000" dirty="0" err="1" smtClean="0">
+              <a:rPr lang="fr-FR" sz="2000" dirty="0" err="1">
                 <a:latin typeface="Courier New" panose="02070309020205020404" pitchFamily="49" charset="0"/>
                 <a:cs typeface="Courier New" panose="02070309020205020404" pitchFamily="49" charset="0"/>
               </a:rPr>
@@ -4130,10 +4103,6 @@
               </a:rPr>
               <a:t>()</a:t>
             </a:r>
-            <a:endParaRPr lang="fr-FR" sz="2000" dirty="0" smtClean="0">
-              <a:latin typeface="Courier New" panose="02070309020205020404" pitchFamily="49" charset="0"/>
-              <a:cs typeface="Courier New" panose="02070309020205020404" pitchFamily="49" charset="0"/>
-            </a:endParaRPr>
           </a:p>
           <a:p>
             <a:pPr lvl="1"/>
@@ -4187,10 +4156,9 @@
           <a:lstStyle/>
           <a:p>
             <a:r>
-              <a:rPr lang="fr-FR" dirty="0" smtClean="0"/>
+              <a:rPr lang="fr-FR" dirty="0"/>
               <a:t>Import de données</a:t>
             </a:r>
-            <a:endParaRPr lang="fr-FR" dirty="0"/>
           </a:p>
         </p:txBody>
       </p:sp>
@@ -4210,7 +4178,7 @@
           <a:lstStyle/>
           <a:p>
             <a:r>
-              <a:rPr lang="fr-FR" dirty="0" smtClean="0"/>
+              <a:rPr lang="fr-FR" dirty="0"/>
               <a:t>SQL</a:t>
             </a:r>
           </a:p>
@@ -4277,19 +4245,12 @@
                 <a:latin typeface="Courier New" panose="02070309020205020404" pitchFamily="49" charset="0"/>
                 <a:cs typeface="Courier New" panose="02070309020205020404" pitchFamily="49" charset="0"/>
               </a:rPr>
-              <a:t> from house', conn</a:t>
-            </a:r>
-            <a:r>
-              <a:rPr lang="en-US" sz="2000" dirty="0" smtClean="0">
-                <a:latin typeface="Courier New" panose="02070309020205020404" pitchFamily="49" charset="0"/>
-                <a:cs typeface="Courier New" panose="02070309020205020404" pitchFamily="49" charset="0"/>
-              </a:rPr>
-              <a:t>)</a:t>
-            </a:r>
-          </a:p>
-          <a:p>
-            <a:r>
-              <a:rPr lang="fr-FR" dirty="0" smtClean="0"/>
+              <a:t> from house', conn)</a:t>
+            </a:r>
+          </a:p>
+          <a:p>
+            <a:r>
+              <a:rPr lang="fr-FR" dirty="0"/>
               <a:t>Mongo DB</a:t>
             </a:r>
           </a:p>
@@ -4489,7 +4450,7 @@
             <a:pPr marL="457200" lvl="1" indent="0">
               <a:buNone/>
             </a:pPr>
-            <a:endParaRPr lang="en-US" sz="2000" dirty="0" smtClean="0">
+            <a:endParaRPr lang="en-US" sz="2000" dirty="0">
               <a:latin typeface="Courier New" panose="02070309020205020404" pitchFamily="49" charset="0"/>
               <a:cs typeface="Courier New" panose="02070309020205020404" pitchFamily="49" charset="0"/>
             </a:endParaRPr>
@@ -4528,6 +4489,130 @@
       </p:grpSpPr>
       <p:sp>
         <p:nvSpPr>
+          <p:cNvPr id="2" name="Titre 1">
+            <a:extLst>
+              <a:ext uri="{FF2B5EF4-FFF2-40B4-BE49-F238E27FC236}">
+                <a16:creationId xmlns:a16="http://schemas.microsoft.com/office/drawing/2014/main" id="{24956A91-4F66-46CD-A8A1-53898EF00548}"/>
+              </a:ext>
+            </a:extLst>
+          </p:cNvPr>
+          <p:cNvSpPr>
+            <a:spLocks noGrp="1"/>
+          </p:cNvSpPr>
+          <p:nvPr>
+            <p:ph type="title"/>
+          </p:nvPr>
+        </p:nvSpPr>
+        <p:spPr/>
+        <p:txBody>
+          <a:bodyPr/>
+          <a:lstStyle/>
+          <a:p>
+            <a:r>
+              <a:rPr lang="fr-FR" dirty="0" err="1"/>
+              <a:t>Describe</a:t>
+            </a:r>
+            <a:endParaRPr lang="fr-FR" dirty="0"/>
+          </a:p>
+        </p:txBody>
+      </p:sp>
+      <p:sp>
+        <p:nvSpPr>
+          <p:cNvPr id="3" name="Espace réservé du contenu 2">
+            <a:extLst>
+              <a:ext uri="{FF2B5EF4-FFF2-40B4-BE49-F238E27FC236}">
+                <a16:creationId xmlns:a16="http://schemas.microsoft.com/office/drawing/2014/main" id="{D3BD2517-F64F-4502-9320-C748206CCA83}"/>
+              </a:ext>
+            </a:extLst>
+          </p:cNvPr>
+          <p:cNvSpPr>
+            <a:spLocks noGrp="1"/>
+          </p:cNvSpPr>
+          <p:nvPr>
+            <p:ph idx="1"/>
+          </p:nvPr>
+        </p:nvSpPr>
+        <p:spPr/>
+        <p:txBody>
+          <a:bodyPr/>
+          <a:lstStyle/>
+          <a:p>
+            <a:r>
+              <a:rPr lang="fr-FR" dirty="0" err="1"/>
+              <a:t>Describe</a:t>
+            </a:r>
+            <a:r>
+              <a:rPr lang="fr-FR" dirty="0"/>
+              <a:t> permet de calculer les données de bases de chaque colonne</a:t>
+            </a:r>
+          </a:p>
+          <a:p>
+            <a:endParaRPr lang="fr-FR" dirty="0"/>
+          </a:p>
+        </p:txBody>
+      </p:sp>
+      <p:pic>
+        <p:nvPicPr>
+          <p:cNvPr id="5" name="Image 4">
+            <a:extLst>
+              <a:ext uri="{FF2B5EF4-FFF2-40B4-BE49-F238E27FC236}">
+                <a16:creationId xmlns:a16="http://schemas.microsoft.com/office/drawing/2014/main" id="{4E8BBD6F-ED22-4F1F-B0DB-F1243EDC1160}"/>
+              </a:ext>
+            </a:extLst>
+          </p:cNvPr>
+          <p:cNvPicPr>
+            <a:picLocks noChangeAspect="1"/>
+          </p:cNvPicPr>
+          <p:nvPr/>
+        </p:nvPicPr>
+        <p:blipFill>
+          <a:blip r:embed="rId2"/>
+          <a:stretch>
+            <a:fillRect/>
+          </a:stretch>
+        </p:blipFill>
+        <p:spPr>
+          <a:xfrm>
+            <a:off x="852487" y="3058309"/>
+            <a:ext cx="7439025" cy="2371725"/>
+          </a:xfrm>
+          <a:prstGeom prst="rect">
+            <a:avLst/>
+          </a:prstGeom>
+        </p:spPr>
+      </p:pic>
+    </p:spTree>
+    <p:extLst>
+      <p:ext uri="{BB962C8B-B14F-4D97-AF65-F5344CB8AC3E}">
+        <p14:creationId xmlns:p14="http://schemas.microsoft.com/office/powerpoint/2010/main" val="325946070"/>
+      </p:ext>
+    </p:extLst>
+  </p:cSld>
+  <p:clrMapOvr>
+    <a:masterClrMapping/>
+  </p:clrMapOvr>
+</p:sld>
+</file>
+
+<file path=ppt/slides/slide6.xml><?xml version="1.0" encoding="utf-8"?>
+<p:sld xmlns:a="http://schemas.openxmlformats.org/drawingml/2006/main" xmlns:r="http://schemas.openxmlformats.org/officeDocument/2006/relationships" xmlns:p="http://schemas.openxmlformats.org/presentationml/2006/main">
+  <p:cSld>
+    <p:spTree>
+      <p:nvGrpSpPr>
+        <p:cNvPr id="1" name=""/>
+        <p:cNvGrpSpPr/>
+        <p:nvPr/>
+      </p:nvGrpSpPr>
+      <p:grpSpPr>
+        <a:xfrm>
+          <a:off x="0" y="0"/>
+          <a:ext cx="0" cy="0"/>
+          <a:chOff x="0" y="0"/>
+          <a:chExt cx="0" cy="0"/>
+        </a:xfrm>
+      </p:grpSpPr>
+      <p:sp>
+        <p:nvSpPr>
           <p:cNvPr id="2" name="Titre 1"/>
           <p:cNvSpPr>
             <a:spLocks noGrp="1"/>
@@ -4542,10 +4627,9 @@
           <a:lstStyle/>
           <a:p>
             <a:r>
-              <a:rPr lang="fr-FR" dirty="0" smtClean="0"/>
+              <a:rPr lang="fr-FR" dirty="0"/>
               <a:t>MNIST</a:t>
             </a:r>
-            <a:endParaRPr lang="fr-FR" dirty="0"/>
           </a:p>
         </p:txBody>
       </p:sp>
@@ -4565,14 +4649,14 @@
           <a:lstStyle/>
           <a:p>
             <a:r>
-              <a:rPr lang="fr-FR" dirty="0" smtClean="0"/>
+              <a:rPr lang="fr-FR" dirty="0"/>
               <a:t>Banque de données</a:t>
             </a:r>
           </a:p>
           <a:p>
             <a:pPr lvl="1"/>
             <a:r>
-              <a:rPr lang="fr-FR" dirty="0" smtClean="0"/>
+              <a:rPr lang="fr-FR" dirty="0"/>
               <a:t>Ici des chiffres manuscrits 24x24 en 16 niveaux de gris</a:t>
             </a:r>
           </a:p>
@@ -4636,7 +4720,7 @@
 </p:sld>
 </file>
 
-<file path=ppt/slides/slide6.xml><?xml version="1.0" encoding="utf-8"?>
+<file path=ppt/slides/slide7.xml><?xml version="1.0" encoding="utf-8"?>
 <p:sld xmlns:a="http://schemas.openxmlformats.org/drawingml/2006/main" xmlns:r="http://schemas.openxmlformats.org/officeDocument/2006/relationships" xmlns:p="http://schemas.openxmlformats.org/presentationml/2006/main">
   <p:cSld>
     <p:spTree>
@@ -4669,10 +4753,9 @@
           <a:lstStyle/>
           <a:p>
             <a:r>
-              <a:rPr lang="fr-FR" dirty="0" smtClean="0"/>
+              <a:rPr lang="fr-FR" dirty="0"/>
               <a:t>Structure de la base</a:t>
             </a:r>
-            <a:endParaRPr lang="fr-FR" dirty="0"/>
           </a:p>
         </p:txBody>
       </p:sp>
@@ -4692,154 +4775,142 @@
           <a:lstStyle/>
           <a:p>
             <a:r>
-              <a:rPr lang="fr-FR" sz="2000" dirty="0" err="1" smtClean="0"/>
+              <a:rPr lang="fr-FR" sz="2000" dirty="0" err="1"/>
               <a:t>Wdbc.data</a:t>
             </a:r>
-            <a:endParaRPr lang="fr-FR" sz="2000" dirty="0" smtClean="0"/>
+            <a:endParaRPr lang="fr-FR" sz="2000" dirty="0"/>
           </a:p>
           <a:p>
             <a:pPr lvl="1"/>
             <a:r>
-              <a:rPr lang="fr-FR" sz="1800" dirty="0" smtClean="0"/>
+              <a:rPr lang="fr-FR" sz="1800" dirty="0"/>
               <a:t>Id</a:t>
             </a:r>
           </a:p>
           <a:p>
             <a:pPr lvl="1"/>
             <a:r>
-              <a:rPr lang="fr-FR" sz="1800" dirty="0" smtClean="0"/>
+              <a:rPr lang="fr-FR" sz="1800" dirty="0"/>
               <a:t>Diagnostique M = Maligne, B = </a:t>
             </a:r>
             <a:r>
-              <a:rPr lang="fr-FR" sz="1800" dirty="0" err="1" smtClean="0"/>
+              <a:rPr lang="fr-FR" sz="1800" dirty="0" err="1"/>
               <a:t>Benigne</a:t>
             </a:r>
-            <a:endParaRPr lang="fr-FR" sz="1800" dirty="0" smtClean="0"/>
-          </a:p>
-          <a:p>
-            <a:r>
-              <a:rPr lang="fr-FR" sz="2000" dirty="0" smtClean="0"/>
+            <a:endParaRPr lang="fr-FR" sz="1800" dirty="0"/>
+          </a:p>
+          <a:p>
+            <a:r>
+              <a:rPr lang="fr-FR" sz="2000" dirty="0"/>
               <a:t>Les données biologique sont interprétés depuis l’image de la tumeur</a:t>
             </a:r>
           </a:p>
           <a:p>
             <a:pPr lvl="1"/>
             <a:r>
-              <a:rPr lang="fr-FR" sz="1800" dirty="0" smtClean="0"/>
+              <a:rPr lang="fr-FR" sz="1800" dirty="0"/>
               <a:t>Rayon</a:t>
             </a:r>
           </a:p>
           <a:p>
             <a:pPr lvl="1"/>
             <a:r>
-              <a:rPr lang="fr-FR" sz="1800" dirty="0" smtClean="0"/>
+              <a:rPr lang="fr-FR" sz="1800" dirty="0"/>
               <a:t>Texture (</a:t>
             </a:r>
             <a:r>
               <a:rPr lang="en-US" sz="1800" dirty="0"/>
-              <a:t>standard deviation of gray-scale </a:t>
-            </a:r>
-            <a:r>
-              <a:rPr lang="en-US" sz="1800" dirty="0" smtClean="0"/>
-              <a:t>values)</a:t>
+              <a:t>standard deviation of gray-scale values)</a:t>
             </a:r>
           </a:p>
           <a:p>
             <a:pPr lvl="1"/>
             <a:r>
-              <a:rPr lang="en-US" sz="1800" dirty="0" err="1" smtClean="0"/>
+              <a:rPr lang="en-US" sz="1800" dirty="0" err="1"/>
               <a:t>Périmetre</a:t>
             </a:r>
-            <a:endParaRPr lang="en-US" sz="1800" dirty="0" smtClean="0"/>
+            <a:endParaRPr lang="en-US" sz="1800" dirty="0"/>
           </a:p>
           <a:p>
             <a:pPr lvl="1"/>
             <a:r>
-              <a:rPr lang="en-US" sz="1800" dirty="0" err="1" smtClean="0"/>
+              <a:rPr lang="en-US" sz="1800" dirty="0" err="1"/>
               <a:t>Superficie</a:t>
             </a:r>
-            <a:endParaRPr lang="en-US" sz="1800" dirty="0" smtClean="0"/>
+            <a:endParaRPr lang="en-US" sz="1800" dirty="0"/>
           </a:p>
           <a:p>
             <a:pPr lvl="1"/>
             <a:r>
-              <a:rPr lang="en-US" sz="1800" dirty="0" smtClean="0"/>
+              <a:rPr lang="en-US" sz="1800" dirty="0"/>
               <a:t>Smoothness (variation du rayon)</a:t>
             </a:r>
           </a:p>
           <a:p>
             <a:pPr lvl="1"/>
             <a:r>
-              <a:rPr lang="en-US" sz="1800" dirty="0" err="1" smtClean="0"/>
+              <a:rPr lang="en-US" sz="1800" dirty="0" err="1"/>
               <a:t>Compacité</a:t>
             </a:r>
             <a:r>
-              <a:rPr lang="en-US" sz="1800" dirty="0" smtClean="0"/>
+              <a:rPr lang="en-US" sz="1800" dirty="0"/>
               <a:t> (perimeter**2 / </a:t>
             </a:r>
             <a:r>
-              <a:rPr lang="en-US" sz="1800" dirty="0" err="1" smtClean="0"/>
+              <a:rPr lang="en-US" sz="1800" dirty="0" err="1"/>
               <a:t>superficie</a:t>
             </a:r>
             <a:r>
-              <a:rPr lang="en-US" sz="1800" dirty="0" smtClean="0"/>
+              <a:rPr lang="en-US" sz="1800" dirty="0"/>
               <a:t> – 1)</a:t>
             </a:r>
           </a:p>
           <a:p>
             <a:pPr lvl="1"/>
             <a:r>
-              <a:rPr lang="en-US" sz="1800" dirty="0" err="1" smtClean="0"/>
+              <a:rPr lang="en-US" sz="1800" dirty="0" err="1"/>
               <a:t>Concavité</a:t>
             </a:r>
             <a:r>
-              <a:rPr lang="en-US" sz="1800" dirty="0" smtClean="0"/>
-              <a:t> (</a:t>
-            </a:r>
-            <a:r>
               <a:rPr lang="en-US" sz="1800" dirty="0"/>
-              <a:t>severity of concave portions of the </a:t>
-            </a:r>
-            <a:r>
-              <a:rPr lang="en-US" sz="1800" dirty="0" smtClean="0"/>
-              <a:t>contour)</a:t>
+              <a:t> (severity of concave portions of the contour)</a:t>
             </a:r>
           </a:p>
           <a:p>
             <a:pPr lvl="1"/>
             <a:r>
-              <a:rPr lang="en-US" sz="1800" dirty="0" smtClean="0"/>
+              <a:rPr lang="en-US" sz="1800" dirty="0"/>
               <a:t>Points concaves (</a:t>
             </a:r>
             <a:r>
-              <a:rPr lang="en-US" sz="1800" dirty="0" err="1" smtClean="0"/>
+              <a:rPr lang="en-US" sz="1800" dirty="0" err="1"/>
               <a:t>nombre</a:t>
             </a:r>
             <a:r>
-              <a:rPr lang="en-US" sz="1800" dirty="0" smtClean="0"/>
+              <a:rPr lang="en-US" sz="1800" dirty="0"/>
               <a:t> de portion concave)</a:t>
             </a:r>
           </a:p>
           <a:p>
             <a:pPr lvl="1"/>
             <a:r>
-              <a:rPr lang="en-US" sz="1800" dirty="0" err="1" smtClean="0"/>
+              <a:rPr lang="en-US" sz="1800" dirty="0" err="1"/>
               <a:t>Symetrie</a:t>
             </a:r>
-            <a:endParaRPr lang="en-US" sz="1800" dirty="0" smtClean="0"/>
+            <a:endParaRPr lang="en-US" sz="1800" dirty="0"/>
           </a:p>
           <a:p>
             <a:pPr lvl="1"/>
             <a:r>
-              <a:rPr lang="en-US" sz="1800" dirty="0" smtClean="0"/>
+              <a:rPr lang="en-US" sz="1800" dirty="0"/>
               <a:t>Dimension </a:t>
             </a:r>
             <a:r>
-              <a:rPr lang="en-US" sz="1800" dirty="0" err="1" smtClean="0"/>
+              <a:rPr lang="en-US" sz="1800" dirty="0" err="1"/>
               <a:t>Fractale</a:t>
             </a:r>
             <a:r>
-              <a:rPr lang="en-US" sz="1800" dirty="0" smtClean="0"/>
+              <a:rPr lang="en-US" sz="1800" dirty="0"/>
               <a:t> (</a:t>
             </a:r>
             <a:r>
@@ -4852,13 +4923,9 @@
             </a:r>
             <a:r>
               <a:rPr lang="fr-FR" sz="1800" dirty="0"/>
-              <a:t> approximation" </a:t>
-            </a:r>
-            <a:r>
-              <a:rPr lang="fr-FR" sz="1800" dirty="0" smtClean="0"/>
-              <a:t>– 1)</a:t>
-            </a:r>
-            <a:endParaRPr lang="en-US" sz="1800" dirty="0" smtClean="0"/>
+              <a:t> approximation" – 1)</a:t>
+            </a:r>
+            <a:endParaRPr lang="en-US" sz="1800" dirty="0"/>
           </a:p>
         </p:txBody>
       </p:sp>
